--- a/MinorProjectPPT.pptx
+++ b/MinorProjectPPT.pptx
@@ -236,7 +236,7 @@
           <a:bodyPr/>
           <a:lstStyle/>
           <a:p>
-            <a:fld id="{9C180F16-6C5F-44B8-92F0-084E0148FC43}" type="datetimeFigureOut">
+            <a:fld id="{E46BF626-A219-4FC9-9A6C-31D2CFF8B04E}" type="datetimeFigureOut">
               <a:rPr lang="en-US" smtClean="0"/>
               <a:t>7/7/2020</a:t>
             </a:fld>
@@ -278,7 +278,7 @@
           <a:bodyPr/>
           <a:lstStyle/>
           <a:p>
-            <a:fld id="{2CFCEB7E-D1F9-4872-8249-13CF526C4AF3}" type="slidenum">
+            <a:fld id="{E8380D33-138B-45AE-9F53-42F8B808F5E7}" type="slidenum">
               <a:rPr lang="en-US" smtClean="0"/>
               <a:t>‹#›</a:t>
             </a:fld>
@@ -289,7 +289,7 @@
     </p:spTree>
     <p:extLst>
       <p:ext uri="{BB962C8B-B14F-4D97-AF65-F5344CB8AC3E}">
-        <p14:creationId xmlns:p14="http://schemas.microsoft.com/office/powerpoint/2010/main" val="844463799"/>
+        <p14:creationId xmlns:p14="http://schemas.microsoft.com/office/powerpoint/2010/main" val="1296509474"/>
       </p:ext>
     </p:extLst>
   </p:cSld>
@@ -406,7 +406,7 @@
           <a:bodyPr/>
           <a:lstStyle/>
           <a:p>
-            <a:fld id="{9C180F16-6C5F-44B8-92F0-084E0148FC43}" type="datetimeFigureOut">
+            <a:fld id="{E46BF626-A219-4FC9-9A6C-31D2CFF8B04E}" type="datetimeFigureOut">
               <a:rPr lang="en-US" smtClean="0"/>
               <a:t>7/7/2020</a:t>
             </a:fld>
@@ -448,7 +448,7 @@
           <a:bodyPr/>
           <a:lstStyle/>
           <a:p>
-            <a:fld id="{2CFCEB7E-D1F9-4872-8249-13CF526C4AF3}" type="slidenum">
+            <a:fld id="{E8380D33-138B-45AE-9F53-42F8B808F5E7}" type="slidenum">
               <a:rPr lang="en-US" smtClean="0"/>
               <a:t>‹#›</a:t>
             </a:fld>
@@ -459,7 +459,7 @@
     </p:spTree>
     <p:extLst>
       <p:ext uri="{BB962C8B-B14F-4D97-AF65-F5344CB8AC3E}">
-        <p14:creationId xmlns:p14="http://schemas.microsoft.com/office/powerpoint/2010/main" val="2319779821"/>
+        <p14:creationId xmlns:p14="http://schemas.microsoft.com/office/powerpoint/2010/main" val="2735527385"/>
       </p:ext>
     </p:extLst>
   </p:cSld>
@@ -586,7 +586,7 @@
           <a:bodyPr/>
           <a:lstStyle/>
           <a:p>
-            <a:fld id="{9C180F16-6C5F-44B8-92F0-084E0148FC43}" type="datetimeFigureOut">
+            <a:fld id="{E46BF626-A219-4FC9-9A6C-31D2CFF8B04E}" type="datetimeFigureOut">
               <a:rPr lang="en-US" smtClean="0"/>
               <a:t>7/7/2020</a:t>
             </a:fld>
@@ -628,7 +628,7 @@
           <a:bodyPr/>
           <a:lstStyle/>
           <a:p>
-            <a:fld id="{2CFCEB7E-D1F9-4872-8249-13CF526C4AF3}" type="slidenum">
+            <a:fld id="{E8380D33-138B-45AE-9F53-42F8B808F5E7}" type="slidenum">
               <a:rPr lang="en-US" smtClean="0"/>
               <a:t>‹#›</a:t>
             </a:fld>
@@ -639,7 +639,7 @@
     </p:spTree>
     <p:extLst>
       <p:ext uri="{BB962C8B-B14F-4D97-AF65-F5344CB8AC3E}">
-        <p14:creationId xmlns:p14="http://schemas.microsoft.com/office/powerpoint/2010/main" val="2133379705"/>
+        <p14:creationId xmlns:p14="http://schemas.microsoft.com/office/powerpoint/2010/main" val="3180451030"/>
       </p:ext>
     </p:extLst>
   </p:cSld>
@@ -756,7 +756,7 @@
           <a:bodyPr/>
           <a:lstStyle/>
           <a:p>
-            <a:fld id="{9C180F16-6C5F-44B8-92F0-084E0148FC43}" type="datetimeFigureOut">
+            <a:fld id="{E46BF626-A219-4FC9-9A6C-31D2CFF8B04E}" type="datetimeFigureOut">
               <a:rPr lang="en-US" smtClean="0"/>
               <a:t>7/7/2020</a:t>
             </a:fld>
@@ -798,7 +798,7 @@
           <a:bodyPr/>
           <a:lstStyle/>
           <a:p>
-            <a:fld id="{2CFCEB7E-D1F9-4872-8249-13CF526C4AF3}" type="slidenum">
+            <a:fld id="{E8380D33-138B-45AE-9F53-42F8B808F5E7}" type="slidenum">
               <a:rPr lang="en-US" smtClean="0"/>
               <a:t>‹#›</a:t>
             </a:fld>
@@ -809,7 +809,7 @@
     </p:spTree>
     <p:extLst>
       <p:ext uri="{BB962C8B-B14F-4D97-AF65-F5344CB8AC3E}">
-        <p14:creationId xmlns:p14="http://schemas.microsoft.com/office/powerpoint/2010/main" val="493983204"/>
+        <p14:creationId xmlns:p14="http://schemas.microsoft.com/office/powerpoint/2010/main" val="2251505439"/>
       </p:ext>
     </p:extLst>
   </p:cSld>
@@ -1002,7 +1002,7 @@
           <a:bodyPr/>
           <a:lstStyle/>
           <a:p>
-            <a:fld id="{9C180F16-6C5F-44B8-92F0-084E0148FC43}" type="datetimeFigureOut">
+            <a:fld id="{E46BF626-A219-4FC9-9A6C-31D2CFF8B04E}" type="datetimeFigureOut">
               <a:rPr lang="en-US" smtClean="0"/>
               <a:t>7/7/2020</a:t>
             </a:fld>
@@ -1044,7 +1044,7 @@
           <a:bodyPr/>
           <a:lstStyle/>
           <a:p>
-            <a:fld id="{2CFCEB7E-D1F9-4872-8249-13CF526C4AF3}" type="slidenum">
+            <a:fld id="{E8380D33-138B-45AE-9F53-42F8B808F5E7}" type="slidenum">
               <a:rPr lang="en-US" smtClean="0"/>
               <a:t>‹#›</a:t>
             </a:fld>
@@ -1055,7 +1055,7 @@
     </p:spTree>
     <p:extLst>
       <p:ext uri="{BB962C8B-B14F-4D97-AF65-F5344CB8AC3E}">
-        <p14:creationId xmlns:p14="http://schemas.microsoft.com/office/powerpoint/2010/main" val="905302764"/>
+        <p14:creationId xmlns:p14="http://schemas.microsoft.com/office/powerpoint/2010/main" val="109029406"/>
       </p:ext>
     </p:extLst>
   </p:cSld>
@@ -1234,7 +1234,7 @@
           <a:bodyPr/>
           <a:lstStyle/>
           <a:p>
-            <a:fld id="{9C180F16-6C5F-44B8-92F0-084E0148FC43}" type="datetimeFigureOut">
+            <a:fld id="{E46BF626-A219-4FC9-9A6C-31D2CFF8B04E}" type="datetimeFigureOut">
               <a:rPr lang="en-US" smtClean="0"/>
               <a:t>7/7/2020</a:t>
             </a:fld>
@@ -1276,7 +1276,7 @@
           <a:bodyPr/>
           <a:lstStyle/>
           <a:p>
-            <a:fld id="{2CFCEB7E-D1F9-4872-8249-13CF526C4AF3}" type="slidenum">
+            <a:fld id="{E8380D33-138B-45AE-9F53-42F8B808F5E7}" type="slidenum">
               <a:rPr lang="en-US" smtClean="0"/>
               <a:t>‹#›</a:t>
             </a:fld>
@@ -1287,7 +1287,7 @@
     </p:spTree>
     <p:extLst>
       <p:ext uri="{BB962C8B-B14F-4D97-AF65-F5344CB8AC3E}">
-        <p14:creationId xmlns:p14="http://schemas.microsoft.com/office/powerpoint/2010/main" val="3122979842"/>
+        <p14:creationId xmlns:p14="http://schemas.microsoft.com/office/powerpoint/2010/main" val="2987470785"/>
       </p:ext>
     </p:extLst>
   </p:cSld>
@@ -1601,7 +1601,7 @@
           <a:bodyPr/>
           <a:lstStyle/>
           <a:p>
-            <a:fld id="{9C180F16-6C5F-44B8-92F0-084E0148FC43}" type="datetimeFigureOut">
+            <a:fld id="{E46BF626-A219-4FC9-9A6C-31D2CFF8B04E}" type="datetimeFigureOut">
               <a:rPr lang="en-US" smtClean="0"/>
               <a:t>7/7/2020</a:t>
             </a:fld>
@@ -1643,7 +1643,7 @@
           <a:bodyPr/>
           <a:lstStyle/>
           <a:p>
-            <a:fld id="{2CFCEB7E-D1F9-4872-8249-13CF526C4AF3}" type="slidenum">
+            <a:fld id="{E8380D33-138B-45AE-9F53-42F8B808F5E7}" type="slidenum">
               <a:rPr lang="en-US" smtClean="0"/>
               <a:t>‹#›</a:t>
             </a:fld>
@@ -1654,7 +1654,7 @@
     </p:spTree>
     <p:extLst>
       <p:ext uri="{BB962C8B-B14F-4D97-AF65-F5344CB8AC3E}">
-        <p14:creationId xmlns:p14="http://schemas.microsoft.com/office/powerpoint/2010/main" val="995232655"/>
+        <p14:creationId xmlns:p14="http://schemas.microsoft.com/office/powerpoint/2010/main" val="1341136479"/>
       </p:ext>
     </p:extLst>
   </p:cSld>
@@ -1719,7 +1719,7 @@
           <a:bodyPr/>
           <a:lstStyle/>
           <a:p>
-            <a:fld id="{9C180F16-6C5F-44B8-92F0-084E0148FC43}" type="datetimeFigureOut">
+            <a:fld id="{E46BF626-A219-4FC9-9A6C-31D2CFF8B04E}" type="datetimeFigureOut">
               <a:rPr lang="en-US" smtClean="0"/>
               <a:t>7/7/2020</a:t>
             </a:fld>
@@ -1761,7 +1761,7 @@
           <a:bodyPr/>
           <a:lstStyle/>
           <a:p>
-            <a:fld id="{2CFCEB7E-D1F9-4872-8249-13CF526C4AF3}" type="slidenum">
+            <a:fld id="{E8380D33-138B-45AE-9F53-42F8B808F5E7}" type="slidenum">
               <a:rPr lang="en-US" smtClean="0"/>
               <a:t>‹#›</a:t>
             </a:fld>
@@ -1772,7 +1772,7 @@
     </p:spTree>
     <p:extLst>
       <p:ext uri="{BB962C8B-B14F-4D97-AF65-F5344CB8AC3E}">
-        <p14:creationId xmlns:p14="http://schemas.microsoft.com/office/powerpoint/2010/main" val="3539159135"/>
+        <p14:creationId xmlns:p14="http://schemas.microsoft.com/office/powerpoint/2010/main" val="2335576028"/>
       </p:ext>
     </p:extLst>
   </p:cSld>
@@ -1814,7 +1814,7 @@
           <a:bodyPr/>
           <a:lstStyle/>
           <a:p>
-            <a:fld id="{9C180F16-6C5F-44B8-92F0-084E0148FC43}" type="datetimeFigureOut">
+            <a:fld id="{E46BF626-A219-4FC9-9A6C-31D2CFF8B04E}" type="datetimeFigureOut">
               <a:rPr lang="en-US" smtClean="0"/>
               <a:t>7/7/2020</a:t>
             </a:fld>
@@ -1856,7 +1856,7 @@
           <a:bodyPr/>
           <a:lstStyle/>
           <a:p>
-            <a:fld id="{2CFCEB7E-D1F9-4872-8249-13CF526C4AF3}" type="slidenum">
+            <a:fld id="{E8380D33-138B-45AE-9F53-42F8B808F5E7}" type="slidenum">
               <a:rPr lang="en-US" smtClean="0"/>
               <a:t>‹#›</a:t>
             </a:fld>
@@ -1867,7 +1867,7 @@
     </p:spTree>
     <p:extLst>
       <p:ext uri="{BB962C8B-B14F-4D97-AF65-F5344CB8AC3E}">
-        <p14:creationId xmlns:p14="http://schemas.microsoft.com/office/powerpoint/2010/main" val="3148490155"/>
+        <p14:creationId xmlns:p14="http://schemas.microsoft.com/office/powerpoint/2010/main" val="2493717769"/>
       </p:ext>
     </p:extLst>
   </p:cSld>
@@ -2091,7 +2091,7 @@
           <a:bodyPr/>
           <a:lstStyle/>
           <a:p>
-            <a:fld id="{9C180F16-6C5F-44B8-92F0-084E0148FC43}" type="datetimeFigureOut">
+            <a:fld id="{E46BF626-A219-4FC9-9A6C-31D2CFF8B04E}" type="datetimeFigureOut">
               <a:rPr lang="en-US" smtClean="0"/>
               <a:t>7/7/2020</a:t>
             </a:fld>
@@ -2133,7 +2133,7 @@
           <a:bodyPr/>
           <a:lstStyle/>
           <a:p>
-            <a:fld id="{2CFCEB7E-D1F9-4872-8249-13CF526C4AF3}" type="slidenum">
+            <a:fld id="{E8380D33-138B-45AE-9F53-42F8B808F5E7}" type="slidenum">
               <a:rPr lang="en-US" smtClean="0"/>
               <a:t>‹#›</a:t>
             </a:fld>
@@ -2144,7 +2144,7 @@
     </p:spTree>
     <p:extLst>
       <p:ext uri="{BB962C8B-B14F-4D97-AF65-F5344CB8AC3E}">
-        <p14:creationId xmlns:p14="http://schemas.microsoft.com/office/powerpoint/2010/main" val="3800818021"/>
+        <p14:creationId xmlns:p14="http://schemas.microsoft.com/office/powerpoint/2010/main" val="4065613062"/>
       </p:ext>
     </p:extLst>
   </p:cSld>
@@ -2344,7 +2344,7 @@
           <a:bodyPr/>
           <a:lstStyle/>
           <a:p>
-            <a:fld id="{9C180F16-6C5F-44B8-92F0-084E0148FC43}" type="datetimeFigureOut">
+            <a:fld id="{E46BF626-A219-4FC9-9A6C-31D2CFF8B04E}" type="datetimeFigureOut">
               <a:rPr lang="en-US" smtClean="0"/>
               <a:t>7/7/2020</a:t>
             </a:fld>
@@ -2386,7 +2386,7 @@
           <a:bodyPr/>
           <a:lstStyle/>
           <a:p>
-            <a:fld id="{2CFCEB7E-D1F9-4872-8249-13CF526C4AF3}" type="slidenum">
+            <a:fld id="{E8380D33-138B-45AE-9F53-42F8B808F5E7}" type="slidenum">
               <a:rPr lang="en-US" smtClean="0"/>
               <a:t>‹#›</a:t>
             </a:fld>
@@ -2397,7 +2397,7 @@
     </p:spTree>
     <p:extLst>
       <p:ext uri="{BB962C8B-B14F-4D97-AF65-F5344CB8AC3E}">
-        <p14:creationId xmlns:p14="http://schemas.microsoft.com/office/powerpoint/2010/main" val="1093896247"/>
+        <p14:creationId xmlns:p14="http://schemas.microsoft.com/office/powerpoint/2010/main" val="3776071999"/>
       </p:ext>
     </p:extLst>
   </p:cSld>
@@ -2557,7 +2557,7 @@
             </a:lvl1pPr>
           </a:lstStyle>
           <a:p>
-            <a:fld id="{9C180F16-6C5F-44B8-92F0-084E0148FC43}" type="datetimeFigureOut">
+            <a:fld id="{E46BF626-A219-4FC9-9A6C-31D2CFF8B04E}" type="datetimeFigureOut">
               <a:rPr lang="en-US" smtClean="0"/>
               <a:t>7/7/2020</a:t>
             </a:fld>
@@ -2635,7 +2635,7 @@
             </a:lvl1pPr>
           </a:lstStyle>
           <a:p>
-            <a:fld id="{2CFCEB7E-D1F9-4872-8249-13CF526C4AF3}" type="slidenum">
+            <a:fld id="{E8380D33-138B-45AE-9F53-42F8B808F5E7}" type="slidenum">
               <a:rPr lang="en-US" smtClean="0"/>
               <a:t>‹#›</a:t>
             </a:fld>
@@ -2646,7 +2646,7 @@
     </p:spTree>
     <p:extLst>
       <p:ext uri="{BB962C8B-B14F-4D97-AF65-F5344CB8AC3E}">
-        <p14:creationId xmlns:p14="http://schemas.microsoft.com/office/powerpoint/2010/main" val="664431966"/>
+        <p14:creationId xmlns:p14="http://schemas.microsoft.com/office/powerpoint/2010/main" val="3898964066"/>
       </p:ext>
     </p:extLst>
   </p:cSld>
@@ -2966,13 +2966,13 @@
       </p:grpSpPr>
       <p:pic>
         <p:nvPicPr>
-          <p:cNvPr id="6" name="Picture 5"/>
+          <p:cNvPr id="4" name="Picture 3"/>
           <p:cNvPicPr>
             <a:picLocks noChangeAspect="1"/>
           </p:cNvPicPr>
           <p:nvPr/>
         </p:nvPicPr>
-        <p:blipFill>
+        <p:blipFill rotWithShape="1">
           <a:blip r:embed="rId2">
             <a:extLst>
               <a:ext uri="{28A0092B-C50C-407E-A947-70E740481C1C}">
@@ -2980,14 +2980,13 @@
               </a:ext>
             </a:extLst>
           </a:blip>
-          <a:stretch>
-            <a:fillRect/>
-          </a:stretch>
+          <a:srcRect l="15455" t="40163" r="50130" b="22416"/>
+          <a:stretch/>
         </p:blipFill>
         <p:spPr>
           <a:xfrm>
-            <a:off x="6092270" y="258662"/>
-            <a:ext cx="5195913" cy="3463942"/>
+            <a:off x="483317" y="157625"/>
+            <a:ext cx="5799917" cy="3545610"/>
           </a:xfrm>
           <a:prstGeom prst="rect">
             <a:avLst/>
@@ -3002,7 +3001,7 @@
           </p:cNvPicPr>
           <p:nvPr/>
         </p:nvPicPr>
-        <p:blipFill>
+        <p:blipFill rotWithShape="1">
           <a:blip r:embed="rId3">
             <a:extLst>
               <a:ext uri="{28A0092B-C50C-407E-A947-70E740481C1C}">
@@ -3010,14 +3009,13 @@
               </a:ext>
             </a:extLst>
           </a:blip>
-          <a:stretch>
-            <a:fillRect/>
-          </a:stretch>
+          <a:srcRect l="15195" t="57027" r="45844" b="6275"/>
+          <a:stretch/>
         </p:blipFill>
         <p:spPr>
           <a:xfrm>
-            <a:off x="0" y="279399"/>
-            <a:ext cx="5112556" cy="3443205"/>
+            <a:off x="6096000" y="564783"/>
+            <a:ext cx="5459214" cy="2891111"/>
           </a:xfrm>
           <a:prstGeom prst="rect">
             <a:avLst/>
@@ -3040,13 +3038,42 @@
               </a:ext>
             </a:extLst>
           </a:blip>
-          <a:srcRect l="16363" t="38315" r="49740" b="24726"/>
+          <a:srcRect l="14935" t="51870" r="48441" b="9942"/>
           <a:stretch/>
         </p:blipFill>
         <p:spPr>
           <a:xfrm>
-            <a:off x="2751391" y="3553097"/>
-            <a:ext cx="5391123" cy="3304903"/>
+            <a:off x="944880" y="3892730"/>
+            <a:ext cx="4704733" cy="2758137"/>
+          </a:xfrm>
+          <a:prstGeom prst="rect">
+            <a:avLst/>
+          </a:prstGeom>
+        </p:spPr>
+      </p:pic>
+      <p:pic>
+        <p:nvPicPr>
+          <p:cNvPr id="9" name="Picture 8"/>
+          <p:cNvPicPr>
+            <a:picLocks noChangeAspect="1"/>
+          </p:cNvPicPr>
+          <p:nvPr/>
+        </p:nvPicPr>
+        <p:blipFill rotWithShape="1">
+          <a:blip r:embed="rId5">
+            <a:extLst>
+              <a:ext uri="{28A0092B-C50C-407E-A947-70E740481C1C}">
+                <a14:useLocalDpi xmlns:a14="http://schemas.microsoft.com/office/drawing/2010/main" val="0"/>
+              </a:ext>
+            </a:extLst>
+          </a:blip>
+          <a:srcRect l="15195" t="52048" r="49220" b="10888"/>
+          <a:stretch/>
+        </p:blipFill>
+        <p:spPr>
+          <a:xfrm>
+            <a:off x="6500948" y="3703235"/>
+            <a:ext cx="4772297" cy="2789006"/>
           </a:xfrm>
           <a:prstGeom prst="rect">
             <a:avLst/>
@@ -3056,7 +3083,7 @@
     </p:spTree>
     <p:extLst>
       <p:ext uri="{BB962C8B-B14F-4D97-AF65-F5344CB8AC3E}">
-        <p14:creationId xmlns:p14="http://schemas.microsoft.com/office/powerpoint/2010/main" val="4041989691"/>
+        <p14:creationId xmlns:p14="http://schemas.microsoft.com/office/powerpoint/2010/main" val="321106401"/>
       </p:ext>
     </p:extLst>
   </p:cSld>
